--- a/doc/CS1_Task3/Task3_Design_Thinking.pptx
+++ b/doc/CS1_Task3/Task3_Design_Thinking.pptx
@@ -5,16 +5,18 @@
     <p:sldMasterId id="2147483905" r:id="rId1"/>
   </p:sldMasterIdLst>
   <p:notesMasterIdLst>
-    <p:notesMasterId r:id="rId9"/>
+    <p:notesMasterId r:id="rId11"/>
   </p:notesMasterIdLst>
   <p:sldIdLst>
     <p:sldId id="256" r:id="rId2"/>
     <p:sldId id="258" r:id="rId3"/>
-    <p:sldId id="271" r:id="rId4"/>
-    <p:sldId id="259" r:id="rId5"/>
-    <p:sldId id="272" r:id="rId6"/>
-    <p:sldId id="273" r:id="rId7"/>
-    <p:sldId id="274" r:id="rId8"/>
+    <p:sldId id="275" r:id="rId4"/>
+    <p:sldId id="271" r:id="rId5"/>
+    <p:sldId id="259" r:id="rId6"/>
+    <p:sldId id="272" r:id="rId7"/>
+    <p:sldId id="273" r:id="rId8"/>
+    <p:sldId id="274" r:id="rId9"/>
+    <p:sldId id="276" r:id="rId10"/>
   </p:sldIdLst>
   <p:sldSz cx="9144000" cy="6858000" type="screen4x3"/>
   <p:notesSz cx="6858000" cy="9144000"/>
@@ -215,7 +217,7 @@
             <a:fld id="{13E12FB6-B2AF-1244-9521-74D202E74FE8}" type="datetimeFigureOut">
               <a:rPr lang="de-DE" smtClean="0"/>
               <a:pPr/>
-              <a:t>08.10.2015</a:t>
+              <a:t>15.10.2015</a:t>
             </a:fld>
             <a:endParaRPr lang="de-DE" dirty="0"/>
           </a:p>
@@ -484,6 +486,95 @@
 </p:notesMaster>
 </file>
 
+<file path=ppt/notesSlides/notesSlide1.xml><?xml version="1.0" encoding="utf-8"?>
+<p:notes xmlns:a="http://schemas.openxmlformats.org/drawingml/2006/main" xmlns:r="http://schemas.openxmlformats.org/officeDocument/2006/relationships" xmlns:p="http://schemas.openxmlformats.org/presentationml/2006/main">
+  <p:cSld>
+    <p:spTree>
+      <p:nvGrpSpPr>
+        <p:cNvPr id="1" name=""/>
+        <p:cNvGrpSpPr/>
+        <p:nvPr/>
+      </p:nvGrpSpPr>
+      <p:grpSpPr>
+        <a:xfrm>
+          <a:off x="0" y="0"/>
+          <a:ext cx="0" cy="0"/>
+          <a:chOff x="0" y="0"/>
+          <a:chExt cx="0" cy="0"/>
+        </a:xfrm>
+      </p:grpSpPr>
+      <p:sp>
+        <p:nvSpPr>
+          <p:cNvPr id="2" name="Folienbildplatzhalter 1"/>
+          <p:cNvSpPr>
+            <a:spLocks noGrp="1" noRot="1" noChangeAspect="1"/>
+          </p:cNvSpPr>
+          <p:nvPr>
+            <p:ph type="sldImg"/>
+          </p:nvPr>
+        </p:nvSpPr>
+        <p:spPr/>
+      </p:sp>
+      <p:sp>
+        <p:nvSpPr>
+          <p:cNvPr id="3" name="Notizenplatzhalter 2"/>
+          <p:cNvSpPr>
+            <a:spLocks noGrp="1"/>
+          </p:cNvSpPr>
+          <p:nvPr>
+            <p:ph type="body" idx="1"/>
+          </p:nvPr>
+        </p:nvSpPr>
+        <p:spPr/>
+        <p:txBody>
+          <a:bodyPr/>
+          <a:lstStyle/>
+          <a:p>
+            <a:r>
+              <a:rPr lang="en-GB" dirty="0" smtClean="0"/>
+              <a:t>https://cacoo.com/diagrams/JhFd75qniqDL2sl9#54C62</a:t>
+            </a:r>
+            <a:endParaRPr lang="en-GB" dirty="0"/>
+          </a:p>
+        </p:txBody>
+      </p:sp>
+      <p:sp>
+        <p:nvSpPr>
+          <p:cNvPr id="4" name="Foliennummernplatzhalter 3"/>
+          <p:cNvSpPr>
+            <a:spLocks noGrp="1"/>
+          </p:cNvSpPr>
+          <p:nvPr>
+            <p:ph type="sldNum" sz="quarter" idx="10"/>
+          </p:nvPr>
+        </p:nvSpPr>
+        <p:spPr/>
+        <p:txBody>
+          <a:bodyPr/>
+          <a:lstStyle/>
+          <a:p>
+            <a:fld id="{9F994826-DEEF-0B43-AF3C-72E10799BEF4}" type="slidenum">
+              <a:rPr lang="de-DE" smtClean="0"/>
+              <a:pPr/>
+              <a:t>8</a:t>
+            </a:fld>
+            <a:endParaRPr lang="de-DE" dirty="0"/>
+          </a:p>
+        </p:txBody>
+      </p:sp>
+    </p:spTree>
+    <p:extLst>
+      <p:ext uri="{BB962C8B-B14F-4D97-AF65-F5344CB8AC3E}">
+        <p14:creationId xmlns:p14="http://schemas.microsoft.com/office/powerpoint/2010/main" val="2420609857"/>
+      </p:ext>
+    </p:extLst>
+  </p:cSld>
+  <p:clrMapOvr>
+    <a:masterClrMapping/>
+  </p:clrMapOvr>
+</p:notes>
+</file>
+
 <file path=ppt/slideLayouts/slideLayout1.xml><?xml version="1.0" encoding="utf-8"?>
 <p:sldLayout xmlns:a="http://schemas.openxmlformats.org/drawingml/2006/main" xmlns:r="http://schemas.openxmlformats.org/officeDocument/2006/relationships" xmlns:p="http://schemas.openxmlformats.org/presentationml/2006/main" showMasterSp="0" type="title" preserve="1">
   <p:cSld name="Titelfolie">
@@ -920,7 +1011,7 @@
             </a:ln>
             <a:extLst>
               <a:ext uri="{91240B29-F687-4f45-9708-019B960494DF}">
-                <a14:hiddenLine xmlns:a14="http://schemas.microsoft.com/office/drawing/2010/main" xmlns="" w="9525">
+                <a14:hiddenLine xmlns="" xmlns:a14="http://schemas.microsoft.com/office/drawing/2010/main" w="9525">
                   <a:solidFill>
                     <a:srgbClr val="000000"/>
                   </a:solidFill>
@@ -1119,7 +1210,7 @@
             <a:fld id="{23A271A1-F6D6-438B-A432-4747EE7ECD40}" type="datetimeFigureOut">
               <a:rPr lang="en-US" smtClean="0"/>
               <a:pPr algn="ctr" eaLnBrk="1" latinLnBrk="0" hangingPunct="1"/>
-              <a:t>10/8/2015</a:t>
+              <a:t>10/15/2015</a:t>
             </a:fld>
             <a:endParaRPr lang="en-US" sz="2000" dirty="0">
               <a:solidFill>
@@ -2018,7 +2109,7 @@
             </a:ln>
             <a:extLst>
               <a:ext uri="{91240B29-F687-4f45-9708-019B960494DF}">
-                <a14:hiddenLine xmlns:a14="http://schemas.microsoft.com/office/drawing/2010/main" xmlns="" w="9525">
+                <a14:hiddenLine xmlns="" xmlns:a14="http://schemas.microsoft.com/office/drawing/2010/main" w="9525">
                   <a:solidFill>
                     <a:srgbClr val="000000"/>
                   </a:solidFill>
@@ -2237,7 +2328,7 @@
             <a:fld id="{23A271A1-F6D6-438B-A432-4747EE7ECD40}" type="datetimeFigureOut">
               <a:rPr lang="en-US" smtClean="0"/>
               <a:pPr eaLnBrk="1" latinLnBrk="0" hangingPunct="1"/>
-              <a:t>10/8/2015</a:t>
+              <a:t>10/15/2015</a:t>
             </a:fld>
             <a:endParaRPr lang="en-US" sz="1400" dirty="0">
               <a:solidFill>
@@ -3121,7 +3212,7 @@
             </a:ln>
             <a:extLst>
               <a:ext uri="{91240B29-F687-4f45-9708-019B960494DF}">
-                <a14:hiddenLine xmlns:a14="http://schemas.microsoft.com/office/drawing/2010/main" xmlns="" w="9525">
+                <a14:hiddenLine xmlns="" xmlns:a14="http://schemas.microsoft.com/office/drawing/2010/main" w="9525">
                   <a:solidFill>
                     <a:srgbClr val="000000"/>
                   </a:solidFill>
@@ -3252,7 +3343,7 @@
             <a:fld id="{23A271A1-F6D6-438B-A432-4747EE7ECD40}" type="datetimeFigureOut">
               <a:rPr lang="en-US" smtClean="0"/>
               <a:pPr eaLnBrk="1" latinLnBrk="0" hangingPunct="1"/>
-              <a:t>10/8/2015</a:t>
+              <a:t>10/15/2015</a:t>
             </a:fld>
             <a:endParaRPr lang="en-US" sz="1400" dirty="0">
               <a:solidFill>
@@ -4099,7 +4190,7 @@
             </a:ln>
             <a:extLst>
               <a:ext uri="{91240B29-F687-4f45-9708-019B960494DF}">
-                <a14:hiddenLine xmlns:a14="http://schemas.microsoft.com/office/drawing/2010/main" xmlns="" w="9525">
+                <a14:hiddenLine xmlns="" xmlns:a14="http://schemas.microsoft.com/office/drawing/2010/main" w="9525">
                   <a:solidFill>
                     <a:srgbClr val="000000"/>
                   </a:solidFill>
@@ -4384,7 +4475,7 @@
             <a:fld id="{23A271A1-F6D6-438B-A432-4747EE7ECD40}" type="datetimeFigureOut">
               <a:rPr lang="en-US" smtClean="0"/>
               <a:pPr eaLnBrk="1" latinLnBrk="0" hangingPunct="1"/>
-              <a:t>10/8/2015</a:t>
+              <a:t>10/15/2015</a:t>
             </a:fld>
             <a:endParaRPr lang="en-US" sz="1400" dirty="0">
               <a:solidFill>
@@ -5231,7 +5322,7 @@
             </a:ln>
             <a:extLst>
               <a:ext uri="{91240B29-F687-4f45-9708-019B960494DF}">
-                <a14:hiddenLine xmlns:a14="http://schemas.microsoft.com/office/drawing/2010/main" xmlns="" w="9525">
+                <a14:hiddenLine xmlns="" xmlns:a14="http://schemas.microsoft.com/office/drawing/2010/main" w="9525">
                   <a:solidFill>
                     <a:srgbClr val="000000"/>
                   </a:solidFill>
@@ -5415,7 +5506,7 @@
             <a:fld id="{23A271A1-F6D6-438B-A432-4747EE7ECD40}" type="datetimeFigureOut">
               <a:rPr lang="en-US" smtClean="0"/>
               <a:pPr eaLnBrk="1" latinLnBrk="0" hangingPunct="1"/>
-              <a:t>10/8/2015</a:t>
+              <a:t>10/15/2015</a:t>
             </a:fld>
             <a:endParaRPr lang="en-US" sz="1400" dirty="0">
               <a:solidFill>
@@ -6104,7 +6195,7 @@
             <a:fld id="{23A271A1-F6D6-438B-A432-4747EE7ECD40}" type="datetimeFigureOut">
               <a:rPr lang="en-US" smtClean="0"/>
               <a:pPr eaLnBrk="1" latinLnBrk="0" hangingPunct="1"/>
-              <a:t>10/8/2015</a:t>
+              <a:t>10/15/2015</a:t>
             </a:fld>
             <a:endParaRPr lang="en-US" sz="1400" dirty="0">
               <a:solidFill>
@@ -6994,7 +7085,7 @@
             <a:fld id="{23A271A1-F6D6-438B-A432-4747EE7ECD40}" type="datetimeFigureOut">
               <a:rPr lang="en-US" smtClean="0"/>
               <a:pPr eaLnBrk="1" latinLnBrk="0" hangingPunct="1"/>
-              <a:t>10/8/2015</a:t>
+              <a:t>10/15/2015</a:t>
             </a:fld>
             <a:endParaRPr lang="en-US" sz="1400" dirty="0">
               <a:solidFill>
@@ -7198,7 +7289,7 @@
             <a:fld id="{23A271A1-F6D6-438B-A432-4747EE7ECD40}" type="datetimeFigureOut">
               <a:rPr lang="en-US" smtClean="0"/>
               <a:pPr eaLnBrk="1" latinLnBrk="0" hangingPunct="1"/>
-              <a:t>10/8/2015</a:t>
+              <a:t>10/15/2015</a:t>
             </a:fld>
             <a:endParaRPr lang="en-US" dirty="0"/>
           </a:p>
@@ -8035,7 +8126,7 @@
           </a:ln>
           <a:extLst>
             <a:ext uri="{91240B29-F687-4f45-9708-019B960494DF}">
-              <a14:hiddenLine xmlns:a14="http://schemas.microsoft.com/office/drawing/2010/main" xmlns="" w="9525">
+              <a14:hiddenLine xmlns="" xmlns:a14="http://schemas.microsoft.com/office/drawing/2010/main" w="9525">
                 <a:solidFill>
                   <a:srgbClr val="000000"/>
                 </a:solidFill>
@@ -8151,7 +8242,7 @@
             <a:fld id="{23A271A1-F6D6-438B-A432-4747EE7ECD40}" type="datetimeFigureOut">
               <a:rPr lang="en-US" smtClean="0"/>
               <a:pPr eaLnBrk="1" latinLnBrk="0" hangingPunct="1"/>
-              <a:t>10/8/2015</a:t>
+              <a:t>10/15/2015</a:t>
             </a:fld>
             <a:endParaRPr lang="en-US" dirty="0"/>
           </a:p>
@@ -8387,7 +8478,7 @@
             <a:fld id="{23A271A1-F6D6-438B-A432-4747EE7ECD40}" type="datetimeFigureOut">
               <a:rPr lang="en-US" smtClean="0"/>
               <a:pPr eaLnBrk="1" latinLnBrk="0" hangingPunct="1"/>
-              <a:t>10/8/2015</a:t>
+              <a:t>10/15/2015</a:t>
             </a:fld>
             <a:endParaRPr lang="en-US" dirty="0"/>
           </a:p>
@@ -9222,7 +9313,7 @@
             </a:ln>
             <a:extLst>
               <a:ext uri="{91240B29-F687-4f45-9708-019B960494DF}">
-                <a14:hiddenLine xmlns:a14="http://schemas.microsoft.com/office/drawing/2010/main" xmlns="" w="9525">
+                <a14:hiddenLine xmlns="" xmlns:a14="http://schemas.microsoft.com/office/drawing/2010/main" w="9525">
                   <a:solidFill>
                     <a:srgbClr val="000000"/>
                   </a:solidFill>
@@ -9406,7 +9497,7 @@
             <a:fld id="{23A271A1-F6D6-438B-A432-4747EE7ECD40}" type="datetimeFigureOut">
               <a:rPr lang="en-US" smtClean="0"/>
               <a:pPr eaLnBrk="1" latinLnBrk="0" hangingPunct="1"/>
-              <a:t>10/8/2015</a:t>
+              <a:t>10/15/2015</a:t>
             </a:fld>
             <a:endParaRPr lang="en-US" sz="1400" dirty="0">
               <a:solidFill>
@@ -9707,7 +9798,7 @@
             <a:fld id="{23A271A1-F6D6-438B-A432-4747EE7ECD40}" type="datetimeFigureOut">
               <a:rPr lang="en-US" smtClean="0"/>
               <a:pPr eaLnBrk="1" latinLnBrk="0" hangingPunct="1"/>
-              <a:t>10/8/2015</a:t>
+              <a:t>10/15/2015</a:t>
             </a:fld>
             <a:endParaRPr lang="en-US" dirty="0"/>
           </a:p>
@@ -10111,7 +10202,7 @@
             <a:fld id="{23A271A1-F6D6-438B-A432-4747EE7ECD40}" type="datetimeFigureOut">
               <a:rPr lang="en-US" smtClean="0"/>
               <a:pPr eaLnBrk="1" latinLnBrk="0" hangingPunct="1"/>
-              <a:t>10/8/2015</a:t>
+              <a:t>10/15/2015</a:t>
             </a:fld>
             <a:endParaRPr lang="en-US" dirty="0"/>
           </a:p>
@@ -10245,7 +10336,7 @@
             <a:fld id="{23A271A1-F6D6-438B-A432-4747EE7ECD40}" type="datetimeFigureOut">
               <a:rPr lang="en-US" smtClean="0"/>
               <a:pPr eaLnBrk="1" latinLnBrk="0" hangingPunct="1"/>
-              <a:t>10/8/2015</a:t>
+              <a:t>10/15/2015</a:t>
             </a:fld>
             <a:endParaRPr lang="en-US" dirty="0"/>
           </a:p>
@@ -10396,7 +10487,7 @@
             <a:fld id="{23A271A1-F6D6-438B-A432-4747EE7ECD40}" type="datetimeFigureOut">
               <a:rPr lang="en-US" smtClean="0"/>
               <a:pPr eaLnBrk="1" latinLnBrk="0" hangingPunct="1"/>
-              <a:t>10/8/2015</a:t>
+              <a:t>10/15/2015</a:t>
             </a:fld>
             <a:endParaRPr lang="en-US" dirty="0"/>
           </a:p>
@@ -11231,7 +11322,7 @@
             </a:ln>
             <a:extLst>
               <a:ext uri="{91240B29-F687-4f45-9708-019B960494DF}">
-                <a14:hiddenLine xmlns:a14="http://schemas.microsoft.com/office/drawing/2010/main" xmlns="" w="9525">
+                <a14:hiddenLine xmlns="" xmlns:a14="http://schemas.microsoft.com/office/drawing/2010/main" w="9525">
                   <a:solidFill>
                     <a:srgbClr val="000000"/>
                   </a:solidFill>
@@ -11426,7 +11517,7 @@
             <a:fld id="{23A271A1-F6D6-438B-A432-4747EE7ECD40}" type="datetimeFigureOut">
               <a:rPr lang="en-US" smtClean="0"/>
               <a:pPr eaLnBrk="1" latinLnBrk="0" hangingPunct="1"/>
-              <a:t>10/8/2015</a:t>
+              <a:t>10/15/2015</a:t>
             </a:fld>
             <a:endParaRPr lang="en-US" sz="1400" dirty="0">
               <a:solidFill>
@@ -12306,7 +12397,7 @@
             </a:ln>
             <a:extLst>
               <a:ext uri="{91240B29-F687-4f45-9708-019B960494DF}">
-                <a14:hiddenLine xmlns:a14="http://schemas.microsoft.com/office/drawing/2010/main" xmlns="" w="9525">
+                <a14:hiddenLine xmlns="" xmlns:a14="http://schemas.microsoft.com/office/drawing/2010/main" w="9525">
                   <a:solidFill>
                     <a:srgbClr val="000000"/>
                   </a:solidFill>
@@ -12525,7 +12616,7 @@
             <a:fld id="{23A271A1-F6D6-438B-A432-4747EE7ECD40}" type="datetimeFigureOut">
               <a:rPr lang="en-US" smtClean="0"/>
               <a:pPr eaLnBrk="1" latinLnBrk="0" hangingPunct="1"/>
-              <a:t>10/8/2015</a:t>
+              <a:t>10/15/2015</a:t>
             </a:fld>
             <a:endParaRPr lang="en-US" sz="1400" dirty="0">
               <a:solidFill>
@@ -13373,7 +13464,7 @@
             </a:ln>
             <a:extLst>
               <a:ext uri="{91240B29-F687-4f45-9708-019B960494DF}">
-                <a14:hiddenLine xmlns:a14="http://schemas.microsoft.com/office/drawing/2010/main" xmlns="" w="9525">
+                <a14:hiddenLine xmlns="" xmlns:a14="http://schemas.microsoft.com/office/drawing/2010/main" w="9525">
                   <a:solidFill>
                     <a:srgbClr val="000000"/>
                   </a:solidFill>
@@ -13516,7 +13607,7 @@
             <a:fld id="{23A271A1-F6D6-438B-A432-4747EE7ECD40}" type="datetimeFigureOut">
               <a:rPr lang="en-US" smtClean="0"/>
               <a:pPr eaLnBrk="1" latinLnBrk="0" hangingPunct="1"/>
-              <a:t>10/8/2015</a:t>
+              <a:t>10/15/2015</a:t>
             </a:fld>
             <a:endParaRPr lang="en-US" sz="1400" dirty="0">
               <a:solidFill>
@@ -14107,15 +14198,7 @@
           <a:p>
             <a:r>
               <a:rPr lang="de-DE" dirty="0"/>
-              <a:t>CS Task </a:t>
-            </a:r>
-            <a:r>
-              <a:rPr lang="de-DE" dirty="0"/>
-              <a:t>3</a:t>
-            </a:r>
-            <a:r>
-              <a:rPr lang="de-DE" dirty="0"/>
-              <a:t/>
+              <a:t>CS Task 3</a:t>
             </a:r>
             <a:br>
               <a:rPr lang="de-DE" dirty="0"/>
@@ -14209,6 +14292,10 @@
               <a:rPr lang="de-DE" dirty="0" err="1" smtClean="0"/>
               <a:t>Scope</a:t>
             </a:r>
+            <a:r>
+              <a:rPr lang="de-DE" dirty="0" smtClean="0"/>
+              <a:t> I</a:t>
+            </a:r>
             <a:endParaRPr lang="de-DE" dirty="0"/>
           </a:p>
         </p:txBody>
@@ -14226,12 +14313,74 @@
         <p:spPr/>
         <p:txBody>
           <a:bodyPr>
-            <a:normAutofit/>
+            <a:normAutofit fontScale="92500" lnSpcReduction="10000"/>
           </a:bodyPr>
           <a:lstStyle/>
           <a:p>
             <a:pPr lvl="1"/>
             <a:endParaRPr lang="de-DE" dirty="0" smtClean="0"/>
+          </a:p>
+          <a:p>
+            <a:r>
+              <a:rPr lang="de-CH" dirty="0"/>
+              <a:t>Ziele:</a:t>
+            </a:r>
+            <a:endParaRPr lang="en-GB" dirty="0"/>
+          </a:p>
+          <a:p>
+            <a:pPr lvl="1"/>
+            <a:r>
+              <a:rPr lang="de-CH" dirty="0"/>
+              <a:t>Patienteninformationen anzeigen</a:t>
+            </a:r>
+            <a:endParaRPr lang="en-GB" dirty="0"/>
+          </a:p>
+          <a:p>
+            <a:pPr lvl="1"/>
+            <a:r>
+              <a:rPr lang="de-CH" dirty="0"/>
+              <a:t>Medikamente verordnen</a:t>
+            </a:r>
+            <a:endParaRPr lang="en-GB" dirty="0"/>
+          </a:p>
+          <a:p>
+            <a:pPr lvl="1"/>
+            <a:r>
+              <a:rPr lang="de-CH" dirty="0"/>
+              <a:t>Terminfindung anstossen (Terminverwaltung macht MPA)</a:t>
+            </a:r>
+            <a:endParaRPr lang="en-GB" dirty="0"/>
+          </a:p>
+          <a:p>
+            <a:pPr lvl="1"/>
+            <a:r>
+              <a:rPr lang="de-CH" dirty="0"/>
+              <a:t>Behandlung durchführen</a:t>
+            </a:r>
+            <a:endParaRPr lang="en-GB" dirty="0"/>
+          </a:p>
+          <a:p>
+            <a:pPr lvl="1"/>
+            <a:r>
+              <a:rPr lang="de-CH" dirty="0"/>
+              <a:t>Behandlung verordnen</a:t>
+            </a:r>
+            <a:endParaRPr lang="en-GB" dirty="0"/>
+          </a:p>
+          <a:p>
+            <a:r>
+              <a:rPr lang="de-CH" dirty="0"/>
+              <a:t>Ausgeschlossen:</a:t>
+            </a:r>
+            <a:endParaRPr lang="en-GB" dirty="0"/>
+          </a:p>
+          <a:p>
+            <a:pPr lvl="1"/>
+            <a:r>
+              <a:rPr lang="de-CH" dirty="0"/>
+              <a:t>Dokumentation wird nicht implementiert, da diese bei psychischen Patienten zu umfangreich für ein Mobile Device ausfällt.</a:t>
+            </a:r>
+            <a:endParaRPr lang="en-GB" dirty="0"/>
           </a:p>
           <a:p>
             <a:endParaRPr lang="de-DE" dirty="0"/>
@@ -14293,8 +14442,12 @@
           <a:lstStyle/>
           <a:p>
             <a:r>
+              <a:rPr lang="de-DE" dirty="0" err="1" smtClean="0"/>
+              <a:t>Scope</a:t>
+            </a:r>
+            <a:r>
               <a:rPr lang="de-DE" dirty="0" smtClean="0"/>
-              <a:t>Research</a:t>
+              <a:t> II</a:t>
             </a:r>
             <a:endParaRPr lang="de-DE" dirty="0"/>
           </a:p>
@@ -14313,18 +14466,109 @@
         <p:spPr/>
         <p:txBody>
           <a:bodyPr>
-            <a:normAutofit/>
+            <a:normAutofit fontScale="77500" lnSpcReduction="20000"/>
           </a:bodyPr>
           <a:lstStyle/>
           <a:p>
-            <a:endParaRPr lang="de-DE" dirty="0" smtClean="0"/>
+            <a:r>
+              <a:rPr lang="de-CH" dirty="0" smtClean="0"/>
+              <a:t>Erfolgsfaktoren</a:t>
+            </a:r>
+            <a:r>
+              <a:rPr lang="de-CH" dirty="0"/>
+              <a:t>:</a:t>
+            </a:r>
+            <a:endParaRPr lang="en-GB" dirty="0"/>
+          </a:p>
+          <a:p>
+            <a:pPr lvl="1"/>
+            <a:r>
+              <a:rPr lang="de-CH" dirty="0"/>
+              <a:t>Die Software wird vom Endbenutzer akzeptiert.</a:t>
+            </a:r>
+            <a:endParaRPr lang="en-GB" dirty="0"/>
+          </a:p>
+          <a:p>
+            <a:pPr lvl="1"/>
+            <a:r>
+              <a:rPr lang="de-CH" dirty="0"/>
+              <a:t>Man kann Medikamente verschreiben</a:t>
+            </a:r>
+            <a:endParaRPr lang="en-GB" dirty="0"/>
+          </a:p>
+          <a:p>
+            <a:pPr lvl="1"/>
+            <a:r>
+              <a:rPr lang="de-CH" dirty="0"/>
+              <a:t>Wenn Medikamente verschrieben werden, die gefährlich miteinander interagieren, wird eine Warnung ausgegeben.</a:t>
+            </a:r>
+            <a:endParaRPr lang="en-GB" dirty="0"/>
+          </a:p>
+          <a:p>
+            <a:pPr lvl="1"/>
+            <a:r>
+              <a:rPr lang="de-CH" dirty="0"/>
+              <a:t>Wenn dem Patienten Medikamente verschrieben werden, für die es eine Kontraindikation gibt, wir eine Warnung ausgegeben.</a:t>
+            </a:r>
+            <a:endParaRPr lang="en-GB" dirty="0"/>
+          </a:p>
+          <a:p>
+            <a:pPr lvl="1"/>
+            <a:r>
+              <a:rPr lang="de-CH" dirty="0">
+                <a:solidFill>
+                  <a:srgbClr val="C00000"/>
+                </a:solidFill>
+              </a:rPr>
+              <a:t>Der Benutzer kann sich per NFC Chip einloggen</a:t>
+            </a:r>
+            <a:endParaRPr lang="en-GB" dirty="0">
+              <a:solidFill>
+                <a:srgbClr val="C00000"/>
+              </a:solidFill>
+            </a:endParaRPr>
+          </a:p>
+          <a:p>
+            <a:pPr lvl="1"/>
+            <a:r>
+              <a:rPr lang="de-CH" dirty="0"/>
+              <a:t>Der Benutzer kann einem Patienten eine Behandlung zuweisen (Für Pflege)</a:t>
+            </a:r>
+            <a:endParaRPr lang="en-GB" dirty="0"/>
+          </a:p>
+          <a:p>
+            <a:pPr lvl="1"/>
+            <a:r>
+              <a:rPr lang="de-CH" dirty="0"/>
+              <a:t>Der Benutzer kann eine Behandlung durchführen</a:t>
+            </a:r>
+            <a:endParaRPr lang="en-GB" dirty="0"/>
+          </a:p>
+          <a:p>
+            <a:pPr lvl="1"/>
+            <a:r>
+              <a:rPr lang="de-CH" dirty="0"/>
+              <a:t>Der Benutzer kann grundlegende Informationen zu einem Patienten abrufen.</a:t>
+            </a:r>
+            <a:endParaRPr lang="en-GB" dirty="0"/>
+          </a:p>
+          <a:p>
+            <a:pPr lvl="1"/>
+            <a:r>
+              <a:rPr lang="de-CH" dirty="0"/>
+              <a:t>Der Benutzer kann eine Terminvereinbarung in X Wochen vereinbaren.</a:t>
+            </a:r>
+            <a:endParaRPr lang="en-GB" dirty="0"/>
+          </a:p>
+          <a:p>
+            <a:endParaRPr lang="de-DE" dirty="0"/>
           </a:p>
         </p:txBody>
       </p:sp>
     </p:spTree>
     <p:extLst>
       <p:ext uri="{BB962C8B-B14F-4D97-AF65-F5344CB8AC3E}">
-        <p14:creationId xmlns:p14="http://schemas.microsoft.com/office/powerpoint/2010/main" val="344867420"/>
+        <p14:creationId xmlns:p14="http://schemas.microsoft.com/office/powerpoint/2010/main" val="2670948853"/>
       </p:ext>
     </p:extLst>
   </p:cSld>
@@ -14376,8 +14620,8 @@
           <a:lstStyle/>
           <a:p>
             <a:r>
-              <a:rPr lang="de-DE" dirty="0" err="1" smtClean="0"/>
-              <a:t>Synthesize</a:t>
+              <a:rPr lang="de-DE" dirty="0" smtClean="0"/>
+              <a:t>Research</a:t>
             </a:r>
             <a:endParaRPr lang="de-DE" dirty="0"/>
           </a:p>
@@ -14400,14 +14644,71 @@
           </a:bodyPr>
           <a:lstStyle/>
           <a:p>
+            <a:r>
+              <a:rPr lang="de-DE" dirty="0" smtClean="0"/>
+              <a:t>Interview</a:t>
+            </a:r>
+          </a:p>
+          <a:p>
+            <a:r>
+              <a:rPr lang="de-DE" dirty="0" smtClean="0"/>
+              <a:t>Online Recherche</a:t>
+            </a:r>
+          </a:p>
+          <a:p>
+            <a:r>
+              <a:rPr lang="de-DE" dirty="0" smtClean="0"/>
+              <a:t>Erfahrung aus beruflichem Alltag</a:t>
+            </a:r>
             <a:endParaRPr lang="de-DE" dirty="0" smtClean="0"/>
           </a:p>
         </p:txBody>
       </p:sp>
+      <p:pic>
+        <p:nvPicPr>
+          <p:cNvPr id="3074" name="Picture 2" descr="http://media4.fridgemagazine.com/wp-content/uploads/2014/07/Practical-Tips-and-Tools-For-Conducting-Market-Research.jpg"/>
+          <p:cNvPicPr>
+            <a:picLocks noChangeAspect="1" noChangeArrowheads="1"/>
+          </p:cNvPicPr>
+          <p:nvPr/>
+        </p:nvPicPr>
+        <p:blipFill>
+          <a:blip r:embed="rId2" cstate="email">
+            <a:extLst>
+              <a:ext uri="{28A0092B-C50C-407E-A947-70E740481C1C}">
+                <a14:useLocalDpi xmlns:a14="http://schemas.microsoft.com/office/drawing/2010/main" val="0"/>
+              </a:ext>
+            </a:extLst>
+          </a:blip>
+          <a:srcRect/>
+          <a:stretch>
+            <a:fillRect/>
+          </a:stretch>
+        </p:blipFill>
+        <p:spPr bwMode="auto">
+          <a:xfrm>
+            <a:off x="4605655" y="3747961"/>
+            <a:ext cx="4020185" cy="2675936"/>
+          </a:xfrm>
+          <a:prstGeom prst="rect">
+            <a:avLst/>
+          </a:prstGeom>
+          <a:noFill/>
+          <a:extLst>
+            <a:ext uri="{909E8E84-426E-40DD-AFC4-6F175D3DCCD1}">
+              <a14:hiddenFill xmlns:a14="http://schemas.microsoft.com/office/drawing/2010/main">
+                <a:solidFill>
+                  <a:srgbClr val="FFFFFF"/>
+                </a:solidFill>
+              </a14:hiddenFill>
+            </a:ext>
+          </a:extLst>
+        </p:spPr>
+      </p:pic>
     </p:spTree>
     <p:extLst>
       <p:ext uri="{BB962C8B-B14F-4D97-AF65-F5344CB8AC3E}">
-        <p14:creationId xmlns:p14="http://schemas.microsoft.com/office/powerpoint/2010/main" val="3445322227"/>
+        <p14:creationId xmlns:p14="http://schemas.microsoft.com/office/powerpoint/2010/main" val="344867420"/>
       </p:ext>
     </p:extLst>
   </p:cSld>
@@ -14459,8 +14760,8 @@
           <a:lstStyle/>
           <a:p>
             <a:r>
-              <a:rPr lang="de-DE" dirty="0" smtClean="0"/>
-              <a:t>Design</a:t>
+              <a:rPr lang="de-DE" dirty="0" err="1" smtClean="0"/>
+              <a:t>Synthesize</a:t>
             </a:r>
             <a:endParaRPr lang="de-DE" dirty="0"/>
           </a:p>
@@ -14483,14 +14784,90 @@
           </a:bodyPr>
           <a:lstStyle/>
           <a:p>
-            <a:endParaRPr lang="de-DE" dirty="0" smtClean="0"/>
+            <a:r>
+              <a:rPr lang="de-DE" dirty="0" smtClean="0"/>
+              <a:t>Persona</a:t>
+            </a:r>
+          </a:p>
+          <a:p>
+            <a:pPr lvl="1"/>
+            <a:r>
+              <a:rPr lang="de-DE" dirty="0" smtClean="0"/>
+              <a:t>Psychiater</a:t>
+            </a:r>
+          </a:p>
+          <a:p>
+            <a:pPr lvl="1"/>
+            <a:r>
+              <a:rPr lang="de-DE" dirty="0" smtClean="0"/>
+              <a:t>(Psychologen)</a:t>
+            </a:r>
+          </a:p>
+          <a:p>
+            <a:pPr lvl="1"/>
+            <a:endParaRPr lang="de-DE" dirty="0"/>
+          </a:p>
+          <a:p>
+            <a:pPr lvl="1"/>
+            <a:r>
+              <a:rPr lang="de-DE" dirty="0" smtClean="0"/>
+              <a:t>Jüngere Generation</a:t>
+            </a:r>
+          </a:p>
+          <a:p>
+            <a:pPr lvl="1"/>
+            <a:r>
+              <a:rPr lang="de-DE" dirty="0" smtClean="0"/>
+              <a:t>Stationärer Kontext</a:t>
+            </a:r>
           </a:p>
         </p:txBody>
       </p:sp>
+      <p:pic>
+        <p:nvPicPr>
+          <p:cNvPr id="1026" name="Picture 2" descr="https://upload.wikimedia.org/wikipedia/commons/1/12/Sigmund_Freud_LIFE.jpg"/>
+          <p:cNvPicPr>
+            <a:picLocks noChangeAspect="1" noChangeArrowheads="1"/>
+          </p:cNvPicPr>
+          <p:nvPr/>
+        </p:nvPicPr>
+        <p:blipFill>
+          <a:blip r:embed="rId2" cstate="email">
+            <a:extLst>
+              <a:ext uri="{28A0092B-C50C-407E-A947-70E740481C1C}">
+                <a14:useLocalDpi xmlns:a14="http://schemas.microsoft.com/office/drawing/2010/main" val="0"/>
+              </a:ext>
+            </a:extLst>
+          </a:blip>
+          <a:srcRect/>
+          <a:stretch>
+            <a:fillRect/>
+          </a:stretch>
+        </p:blipFill>
+        <p:spPr bwMode="auto">
+          <a:xfrm>
+            <a:off x="4778493" y="2489200"/>
+            <a:ext cx="2626675" cy="3696072"/>
+          </a:xfrm>
+          <a:prstGeom prst="rect">
+            <a:avLst/>
+          </a:prstGeom>
+          <a:noFill/>
+          <a:extLst>
+            <a:ext uri="{909E8E84-426E-40DD-AFC4-6F175D3DCCD1}">
+              <a14:hiddenFill xmlns:a14="http://schemas.microsoft.com/office/drawing/2010/main">
+                <a:solidFill>
+                  <a:srgbClr val="FFFFFF"/>
+                </a:solidFill>
+              </a14:hiddenFill>
+            </a:ext>
+          </a:extLst>
+        </p:spPr>
+      </p:pic>
     </p:spTree>
     <p:extLst>
       <p:ext uri="{BB962C8B-B14F-4D97-AF65-F5344CB8AC3E}">
-        <p14:creationId xmlns:p14="http://schemas.microsoft.com/office/powerpoint/2010/main" val="3176001609"/>
+        <p14:creationId xmlns:p14="http://schemas.microsoft.com/office/powerpoint/2010/main" val="3445322227"/>
       </p:ext>
     </p:extLst>
   </p:cSld>
@@ -14543,7 +14920,7 @@
           <a:p>
             <a:r>
               <a:rPr lang="de-DE" dirty="0" smtClean="0"/>
-              <a:t>Storyboards</a:t>
+              <a:t>Design (Storyboards I)</a:t>
             </a:r>
             <a:endParaRPr lang="de-DE" dirty="0"/>
           </a:p>
@@ -14570,10 +14947,58 @@
           </a:p>
         </p:txBody>
       </p:sp>
+      <p:pic>
+        <p:nvPicPr>
+          <p:cNvPr id="4" name="Grafik 3"/>
+          <p:cNvPicPr>
+            <a:picLocks noChangeAspect="1"/>
+          </p:cNvPicPr>
+          <p:nvPr/>
+        </p:nvPicPr>
+        <p:blipFill>
+          <a:blip r:embed="rId2"/>
+          <a:stretch>
+            <a:fillRect/>
+          </a:stretch>
+        </p:blipFill>
+        <p:spPr>
+          <a:xfrm>
+            <a:off x="456416" y="2387402"/>
+            <a:ext cx="8097275" cy="1695145"/>
+          </a:xfrm>
+          <a:prstGeom prst="rect">
+            <a:avLst/>
+          </a:prstGeom>
+        </p:spPr>
+      </p:pic>
+      <p:pic>
+        <p:nvPicPr>
+          <p:cNvPr id="5" name="Grafik 4"/>
+          <p:cNvPicPr>
+            <a:picLocks noChangeAspect="1"/>
+          </p:cNvPicPr>
+          <p:nvPr/>
+        </p:nvPicPr>
+        <p:blipFill>
+          <a:blip r:embed="rId3"/>
+          <a:stretch>
+            <a:fillRect/>
+          </a:stretch>
+        </p:blipFill>
+        <p:spPr>
+          <a:xfrm>
+            <a:off x="316918" y="4347319"/>
+            <a:ext cx="8236774" cy="1672481"/>
+          </a:xfrm>
+          <a:prstGeom prst="rect">
+            <a:avLst/>
+          </a:prstGeom>
+        </p:spPr>
+      </p:pic>
     </p:spTree>
     <p:extLst>
       <p:ext uri="{BB962C8B-B14F-4D97-AF65-F5344CB8AC3E}">
-        <p14:creationId xmlns:p14="http://schemas.microsoft.com/office/powerpoint/2010/main" val="413506317"/>
+        <p14:creationId xmlns:p14="http://schemas.microsoft.com/office/powerpoint/2010/main" val="3176001609"/>
       </p:ext>
     </p:extLst>
   </p:cSld>
@@ -14625,8 +15050,8 @@
           <a:lstStyle/>
           <a:p>
             <a:r>
-              <a:rPr lang="de-DE" dirty="0" err="1" smtClean="0"/>
-              <a:t>Prototyping</a:t>
+              <a:rPr lang="de-DE" dirty="0"/>
+              <a:t>Design (Storyboards I)</a:t>
             </a:r>
             <a:endParaRPr lang="de-DE" dirty="0"/>
           </a:p>
@@ -14653,10 +15078,267 @@
           </a:p>
         </p:txBody>
       </p:sp>
+      <p:pic>
+        <p:nvPicPr>
+          <p:cNvPr id="4" name="Grafik 3"/>
+          <p:cNvPicPr>
+            <a:picLocks noChangeAspect="1"/>
+          </p:cNvPicPr>
+          <p:nvPr/>
+        </p:nvPicPr>
+        <p:blipFill>
+          <a:blip r:embed="rId2"/>
+          <a:stretch>
+            <a:fillRect/>
+          </a:stretch>
+        </p:blipFill>
+        <p:spPr>
+          <a:xfrm>
+            <a:off x="864382" y="2196993"/>
+            <a:ext cx="7159262" cy="4311676"/>
+          </a:xfrm>
+          <a:prstGeom prst="rect">
+            <a:avLst/>
+          </a:prstGeom>
+        </p:spPr>
+      </p:pic>
+    </p:spTree>
+    <p:extLst>
+      <p:ext uri="{BB962C8B-B14F-4D97-AF65-F5344CB8AC3E}">
+        <p14:creationId xmlns:p14="http://schemas.microsoft.com/office/powerpoint/2010/main" val="413506317"/>
+      </p:ext>
+    </p:extLst>
+  </p:cSld>
+  <p:clrMapOvr>
+    <a:masterClrMapping/>
+  </p:clrMapOvr>
+  <p:timing>
+    <p:tnLst>
+      <p:par>
+        <p:cTn id="1" dur="indefinite" restart="never" nodeType="tmRoot"/>
+      </p:par>
+    </p:tnLst>
+  </p:timing>
+</p:sld>
+</file>
+
+<file path=ppt/slides/slide8.xml><?xml version="1.0" encoding="utf-8"?>
+<p:sld xmlns:a="http://schemas.openxmlformats.org/drawingml/2006/main" xmlns:r="http://schemas.openxmlformats.org/officeDocument/2006/relationships" xmlns:p="http://schemas.openxmlformats.org/presentationml/2006/main">
+  <p:cSld>
+    <p:spTree>
+      <p:nvGrpSpPr>
+        <p:cNvPr id="1" name=""/>
+        <p:cNvGrpSpPr/>
+        <p:nvPr/>
+      </p:nvGrpSpPr>
+      <p:grpSpPr>
+        <a:xfrm>
+          <a:off x="0" y="0"/>
+          <a:ext cx="0" cy="0"/>
+          <a:chOff x="0" y="0"/>
+          <a:chExt cx="0" cy="0"/>
+        </a:xfrm>
+      </p:grpSpPr>
+      <p:sp>
+        <p:nvSpPr>
+          <p:cNvPr id="2" name="Titel 1"/>
+          <p:cNvSpPr>
+            <a:spLocks noGrp="1"/>
+          </p:cNvSpPr>
+          <p:nvPr>
+            <p:ph type="title"/>
+          </p:nvPr>
+        </p:nvSpPr>
+        <p:spPr/>
+        <p:txBody>
+          <a:bodyPr>
+            <a:normAutofit/>
+          </a:bodyPr>
+          <a:lstStyle/>
+          <a:p>
+            <a:r>
+              <a:rPr lang="de-DE" dirty="0" err="1" smtClean="0"/>
+              <a:t>Prototyping</a:t>
+            </a:r>
+            <a:endParaRPr lang="de-DE" dirty="0"/>
+          </a:p>
+        </p:txBody>
+      </p:sp>
+      <p:sp>
+        <p:nvSpPr>
+          <p:cNvPr id="3" name="Inhaltsplatzhalter 2"/>
+          <p:cNvSpPr>
+            <a:spLocks noGrp="1"/>
+          </p:cNvSpPr>
+          <p:nvPr>
+            <p:ph idx="1"/>
+          </p:nvPr>
+        </p:nvSpPr>
+        <p:spPr/>
+        <p:txBody>
+          <a:bodyPr>
+            <a:normAutofit/>
+          </a:bodyPr>
+          <a:lstStyle/>
+          <a:p>
+            <a:endParaRPr lang="de-DE" dirty="0" smtClean="0"/>
+          </a:p>
+        </p:txBody>
+      </p:sp>
+      <p:pic>
+        <p:nvPicPr>
+          <p:cNvPr id="4" name="Grafik 3"/>
+          <p:cNvPicPr>
+            <a:picLocks noChangeAspect="1"/>
+          </p:cNvPicPr>
+          <p:nvPr/>
+        </p:nvPicPr>
+        <p:blipFill rotWithShape="1">
+          <a:blip r:embed="rId3"/>
+          <a:srcRect t="830"/>
+          <a:stretch/>
+        </p:blipFill>
+        <p:spPr>
+          <a:xfrm>
+            <a:off x="864382" y="2372806"/>
+            <a:ext cx="3433702" cy="4072526"/>
+          </a:xfrm>
+          <a:prstGeom prst="rect">
+            <a:avLst/>
+          </a:prstGeom>
+        </p:spPr>
+      </p:pic>
+      <p:pic>
+        <p:nvPicPr>
+          <p:cNvPr id="5" name="Grafik 4"/>
+          <p:cNvPicPr>
+            <a:picLocks noChangeAspect="1"/>
+          </p:cNvPicPr>
+          <p:nvPr/>
+        </p:nvPicPr>
+        <p:blipFill>
+          <a:blip r:embed="rId4"/>
+          <a:stretch>
+            <a:fillRect/>
+          </a:stretch>
+        </p:blipFill>
+        <p:spPr>
+          <a:xfrm>
+            <a:off x="4298084" y="2351282"/>
+            <a:ext cx="3586976" cy="4064000"/>
+          </a:xfrm>
+          <a:prstGeom prst="rect">
+            <a:avLst/>
+          </a:prstGeom>
+        </p:spPr>
+      </p:pic>
     </p:spTree>
     <p:extLst>
       <p:ext uri="{BB962C8B-B14F-4D97-AF65-F5344CB8AC3E}">
         <p14:creationId xmlns:p14="http://schemas.microsoft.com/office/powerpoint/2010/main" val="3326737442"/>
+      </p:ext>
+    </p:extLst>
+  </p:cSld>
+  <p:clrMapOvr>
+    <a:masterClrMapping/>
+  </p:clrMapOvr>
+  <p:timing>
+    <p:tnLst>
+      <p:par>
+        <p:cTn id="1" dur="indefinite" restart="never" nodeType="tmRoot"/>
+      </p:par>
+    </p:tnLst>
+  </p:timing>
+</p:sld>
+</file>
+
+<file path=ppt/slides/slide9.xml><?xml version="1.0" encoding="utf-8"?>
+<p:sld xmlns:a="http://schemas.openxmlformats.org/drawingml/2006/main" xmlns:r="http://schemas.openxmlformats.org/officeDocument/2006/relationships" xmlns:p="http://schemas.openxmlformats.org/presentationml/2006/main">
+  <p:cSld>
+    <p:spTree>
+      <p:nvGrpSpPr>
+        <p:cNvPr id="1" name=""/>
+        <p:cNvGrpSpPr/>
+        <p:nvPr/>
+      </p:nvGrpSpPr>
+      <p:grpSpPr>
+        <a:xfrm>
+          <a:off x="0" y="0"/>
+          <a:ext cx="0" cy="0"/>
+          <a:chOff x="0" y="0"/>
+          <a:chExt cx="0" cy="0"/>
+        </a:xfrm>
+      </p:grpSpPr>
+      <p:sp>
+        <p:nvSpPr>
+          <p:cNvPr id="2" name="Titel 1"/>
+          <p:cNvSpPr>
+            <a:spLocks noGrp="1"/>
+          </p:cNvSpPr>
+          <p:nvPr>
+            <p:ph type="title"/>
+          </p:nvPr>
+        </p:nvSpPr>
+        <p:spPr/>
+        <p:txBody>
+          <a:bodyPr/>
+          <a:lstStyle/>
+          <a:p>
+            <a:r>
+              <a:rPr lang="de-CH" dirty="0" smtClean="0"/>
+              <a:t>Ende</a:t>
+            </a:r>
+            <a:endParaRPr lang="en-GB" dirty="0"/>
+          </a:p>
+        </p:txBody>
+      </p:sp>
+      <p:pic>
+        <p:nvPicPr>
+          <p:cNvPr id="2050" name="Picture 2" descr="http://einfachgefragt.com.dd20604.kasserver.com/wp-content/uploads/2013/08/Cartoon-Psychiater.jpg"/>
+          <p:cNvPicPr>
+            <a:picLocks noGrp="1" noChangeAspect="1" noChangeArrowheads="1"/>
+          </p:cNvPicPr>
+          <p:nvPr>
+            <p:ph idx="1"/>
+          </p:nvPr>
+        </p:nvPicPr>
+        <p:blipFill>
+          <a:blip r:embed="rId2" cstate="email">
+            <a:extLst>
+              <a:ext uri="{28A0092B-C50C-407E-A947-70E740481C1C}">
+                <a14:useLocalDpi xmlns:a14="http://schemas.microsoft.com/office/drawing/2010/main" val="0"/>
+              </a:ext>
+            </a:extLst>
+          </a:blip>
+          <a:srcRect/>
+          <a:stretch>
+            <a:fillRect/>
+          </a:stretch>
+        </p:blipFill>
+        <p:spPr bwMode="auto">
+          <a:xfrm>
+            <a:off x="2792573" y="2489200"/>
+            <a:ext cx="3530600" cy="3530600"/>
+          </a:xfrm>
+          <a:prstGeom prst="rect">
+            <a:avLst/>
+          </a:prstGeom>
+          <a:noFill/>
+          <a:extLst>
+            <a:ext uri="{909E8E84-426E-40DD-AFC4-6F175D3DCCD1}">
+              <a14:hiddenFill xmlns:a14="http://schemas.microsoft.com/office/drawing/2010/main">
+                <a:solidFill>
+                  <a:srgbClr val="FFFFFF"/>
+                </a:solidFill>
+              </a14:hiddenFill>
+            </a:ext>
+          </a:extLst>
+        </p:spPr>
+      </p:pic>
+    </p:spTree>
+    <p:extLst>
+      <p:ext uri="{BB962C8B-B14F-4D97-AF65-F5344CB8AC3E}">
+        <p14:creationId xmlns:p14="http://schemas.microsoft.com/office/powerpoint/2010/main" val="3881861182"/>
       </p:ext>
     </p:extLst>
   </p:cSld>

--- a/doc/CS1_Task3/Task3_Design_Thinking.pptx
+++ b/doc/CS1_Task3/Task3_Design_Thinking.pptx
@@ -5,7 +5,7 @@
     <p:sldMasterId id="2147483905" r:id="rId1"/>
   </p:sldMasterIdLst>
   <p:notesMasterIdLst>
-    <p:notesMasterId r:id="rId11"/>
+    <p:notesMasterId r:id="rId12"/>
   </p:notesMasterIdLst>
   <p:sldIdLst>
     <p:sldId id="256" r:id="rId2"/>
@@ -16,7 +16,8 @@
     <p:sldId id="272" r:id="rId7"/>
     <p:sldId id="273" r:id="rId8"/>
     <p:sldId id="274" r:id="rId9"/>
-    <p:sldId id="276" r:id="rId10"/>
+    <p:sldId id="277" r:id="rId10"/>
+    <p:sldId id="276" r:id="rId11"/>
   </p:sldIdLst>
   <p:sldSz cx="9144000" cy="6858000" type="screen4x3"/>
   <p:notesSz cx="6858000" cy="9144000"/>
@@ -1011,7 +1012,7 @@
             </a:ln>
             <a:extLst>
               <a:ext uri="{91240B29-F687-4f45-9708-019B960494DF}">
-                <a14:hiddenLine xmlns="" xmlns:a14="http://schemas.microsoft.com/office/drawing/2010/main" w="9525">
+                <a14:hiddenLine xmlns:a14="http://schemas.microsoft.com/office/drawing/2010/main" xmlns="" w="9525">
                   <a:solidFill>
                     <a:srgbClr val="000000"/>
                   </a:solidFill>
@@ -2109,7 +2110,7 @@
             </a:ln>
             <a:extLst>
               <a:ext uri="{91240B29-F687-4f45-9708-019B960494DF}">
-                <a14:hiddenLine xmlns="" xmlns:a14="http://schemas.microsoft.com/office/drawing/2010/main" w="9525">
+                <a14:hiddenLine xmlns:a14="http://schemas.microsoft.com/office/drawing/2010/main" xmlns="" w="9525">
                   <a:solidFill>
                     <a:srgbClr val="000000"/>
                   </a:solidFill>
@@ -3212,7 +3213,7 @@
             </a:ln>
             <a:extLst>
               <a:ext uri="{91240B29-F687-4f45-9708-019B960494DF}">
-                <a14:hiddenLine xmlns="" xmlns:a14="http://schemas.microsoft.com/office/drawing/2010/main" w="9525">
+                <a14:hiddenLine xmlns:a14="http://schemas.microsoft.com/office/drawing/2010/main" xmlns="" w="9525">
                   <a:solidFill>
                     <a:srgbClr val="000000"/>
                   </a:solidFill>
@@ -4190,7 +4191,7 @@
             </a:ln>
             <a:extLst>
               <a:ext uri="{91240B29-F687-4f45-9708-019B960494DF}">
-                <a14:hiddenLine xmlns="" xmlns:a14="http://schemas.microsoft.com/office/drawing/2010/main" w="9525">
+                <a14:hiddenLine xmlns:a14="http://schemas.microsoft.com/office/drawing/2010/main" xmlns="" w="9525">
                   <a:solidFill>
                     <a:srgbClr val="000000"/>
                   </a:solidFill>
@@ -5322,7 +5323,7 @@
             </a:ln>
             <a:extLst>
               <a:ext uri="{91240B29-F687-4f45-9708-019B960494DF}">
-                <a14:hiddenLine xmlns="" xmlns:a14="http://schemas.microsoft.com/office/drawing/2010/main" w="9525">
+                <a14:hiddenLine xmlns:a14="http://schemas.microsoft.com/office/drawing/2010/main" xmlns="" w="9525">
                   <a:solidFill>
                     <a:srgbClr val="000000"/>
                   </a:solidFill>
@@ -8126,7 +8127,7 @@
           </a:ln>
           <a:extLst>
             <a:ext uri="{91240B29-F687-4f45-9708-019B960494DF}">
-              <a14:hiddenLine xmlns="" xmlns:a14="http://schemas.microsoft.com/office/drawing/2010/main" w="9525">
+              <a14:hiddenLine xmlns:a14="http://schemas.microsoft.com/office/drawing/2010/main" xmlns="" w="9525">
                 <a:solidFill>
                   <a:srgbClr val="000000"/>
                 </a:solidFill>
@@ -9313,7 +9314,7 @@
             </a:ln>
             <a:extLst>
               <a:ext uri="{91240B29-F687-4f45-9708-019B960494DF}">
-                <a14:hiddenLine xmlns="" xmlns:a14="http://schemas.microsoft.com/office/drawing/2010/main" w="9525">
+                <a14:hiddenLine xmlns:a14="http://schemas.microsoft.com/office/drawing/2010/main" xmlns="" w="9525">
                   <a:solidFill>
                     <a:srgbClr val="000000"/>
                   </a:solidFill>
@@ -11322,7 +11323,7 @@
             </a:ln>
             <a:extLst>
               <a:ext uri="{91240B29-F687-4f45-9708-019B960494DF}">
-                <a14:hiddenLine xmlns="" xmlns:a14="http://schemas.microsoft.com/office/drawing/2010/main" w="9525">
+                <a14:hiddenLine xmlns:a14="http://schemas.microsoft.com/office/drawing/2010/main" xmlns="" w="9525">
                   <a:solidFill>
                     <a:srgbClr val="000000"/>
                   </a:solidFill>
@@ -12397,7 +12398,7 @@
             </a:ln>
             <a:extLst>
               <a:ext uri="{91240B29-F687-4f45-9708-019B960494DF}">
-                <a14:hiddenLine xmlns="" xmlns:a14="http://schemas.microsoft.com/office/drawing/2010/main" w="9525">
+                <a14:hiddenLine xmlns:a14="http://schemas.microsoft.com/office/drawing/2010/main" xmlns="" w="9525">
                   <a:solidFill>
                     <a:srgbClr val="000000"/>
                   </a:solidFill>
@@ -13464,7 +13465,7 @@
             </a:ln>
             <a:extLst>
               <a:ext uri="{91240B29-F687-4f45-9708-019B960494DF}">
-                <a14:hiddenLine xmlns="" xmlns:a14="http://schemas.microsoft.com/office/drawing/2010/main" w="9525">
+                <a14:hiddenLine xmlns:a14="http://schemas.microsoft.com/office/drawing/2010/main" xmlns="" w="9525">
                   <a:solidFill>
                     <a:srgbClr val="000000"/>
                   </a:solidFill>
@@ -14254,6 +14255,109 @@
 </p:sld>
 </file>
 
+<file path=ppt/slides/slide10.xml><?xml version="1.0" encoding="utf-8"?>
+<p:sld xmlns:a="http://schemas.openxmlformats.org/drawingml/2006/main" xmlns:r="http://schemas.openxmlformats.org/officeDocument/2006/relationships" xmlns:p="http://schemas.openxmlformats.org/presentationml/2006/main">
+  <p:cSld>
+    <p:spTree>
+      <p:nvGrpSpPr>
+        <p:cNvPr id="1" name=""/>
+        <p:cNvGrpSpPr/>
+        <p:nvPr/>
+      </p:nvGrpSpPr>
+      <p:grpSpPr>
+        <a:xfrm>
+          <a:off x="0" y="0"/>
+          <a:ext cx="0" cy="0"/>
+          <a:chOff x="0" y="0"/>
+          <a:chExt cx="0" cy="0"/>
+        </a:xfrm>
+      </p:grpSpPr>
+      <p:sp>
+        <p:nvSpPr>
+          <p:cNvPr id="2" name="Titel 1"/>
+          <p:cNvSpPr>
+            <a:spLocks noGrp="1"/>
+          </p:cNvSpPr>
+          <p:nvPr>
+            <p:ph type="title"/>
+          </p:nvPr>
+        </p:nvSpPr>
+        <p:spPr/>
+        <p:txBody>
+          <a:bodyPr/>
+          <a:lstStyle/>
+          <a:p>
+            <a:r>
+              <a:rPr lang="de-CH" dirty="0" smtClean="0"/>
+              <a:t>Ende</a:t>
+            </a:r>
+            <a:endParaRPr lang="en-GB" dirty="0"/>
+          </a:p>
+        </p:txBody>
+      </p:sp>
+      <p:pic>
+        <p:nvPicPr>
+          <p:cNvPr id="2050" name="Picture 2" descr="http://einfachgefragt.com.dd20604.kasserver.com/wp-content/uploads/2013/08/Cartoon-Psychiater.jpg"/>
+          <p:cNvPicPr>
+            <a:picLocks noGrp="1" noChangeAspect="1" noChangeArrowheads="1"/>
+          </p:cNvPicPr>
+          <p:nvPr>
+            <p:ph idx="1"/>
+          </p:nvPr>
+        </p:nvPicPr>
+        <p:blipFill>
+          <a:blip r:embed="rId2" cstate="email">
+            <a:extLst>
+              <a:ext uri="{28A0092B-C50C-407E-A947-70E740481C1C}">
+                <a14:useLocalDpi xmlns:a14="http://schemas.microsoft.com/office/drawing/2010/main" val="0"/>
+              </a:ext>
+            </a:extLst>
+          </a:blip>
+          <a:srcRect/>
+          <a:stretch>
+            <a:fillRect/>
+          </a:stretch>
+        </p:blipFill>
+        <p:spPr bwMode="auto">
+          <a:xfrm>
+            <a:off x="2792573" y="2489200"/>
+            <a:ext cx="3530600" cy="3530600"/>
+          </a:xfrm>
+          <a:prstGeom prst="rect">
+            <a:avLst/>
+          </a:prstGeom>
+          <a:noFill/>
+          <a:extLst>
+            <a:ext uri="{909E8E84-426E-40DD-AFC4-6F175D3DCCD1}">
+              <a14:hiddenFill xmlns:a14="http://schemas.microsoft.com/office/drawing/2010/main">
+                <a:solidFill>
+                  <a:srgbClr val="FFFFFF"/>
+                </a:solidFill>
+              </a14:hiddenFill>
+            </a:ext>
+          </a:extLst>
+        </p:spPr>
+      </p:pic>
+    </p:spTree>
+    <p:extLst>
+      <p:ext uri="{BB962C8B-B14F-4D97-AF65-F5344CB8AC3E}">
+        <p14:creationId xmlns:p14="http://schemas.microsoft.com/office/powerpoint/2010/main" val="3881861182"/>
+      </p:ext>
+    </p:extLst>
+  </p:cSld>
+  <p:clrMapOvr>
+    <a:masterClrMapping/>
+  </p:clrMapOvr>
+  <p:timing>
+    <p:tnLst>
+      <p:par>
+        <p:cTn id="1" dur="indefinite" restart="never" nodeType="tmRoot"/>
+      </p:par>
+    </p:tnLst>
+  </p:timing>
+</p:sld>
+</file>
+
 <file path=ppt/slides/slide2.xml><?xml version="1.0" encoding="utf-8"?>
 <p:sld xmlns:a="http://schemas.openxmlformats.org/drawingml/2006/main" xmlns:r="http://schemas.openxmlformats.org/officeDocument/2006/relationships" xmlns:p="http://schemas.openxmlformats.org/presentationml/2006/main">
   <p:cSld>
@@ -14660,7 +14764,6 @@
               <a:rPr lang="de-DE" dirty="0" smtClean="0"/>
               <a:t>Erfahrung aus beruflichem Alltag</a:t>
             </a:r>
-            <a:endParaRPr lang="de-DE" dirty="0" smtClean="0"/>
           </a:p>
         </p:txBody>
       </p:sp>
@@ -15053,7 +15156,6 @@
               <a:rPr lang="de-DE" dirty="0"/>
               <a:t>Design (Storyboards I)</a:t>
             </a:r>
-            <a:endParaRPr lang="de-DE" dirty="0"/>
           </a:p>
         </p:txBody>
       </p:sp>
@@ -15286,72 +15388,50 @@
           <a:p>
             <a:r>
               <a:rPr lang="de-CH" dirty="0" smtClean="0"/>
-              <a:t>Ende</a:t>
+              <a:t>Validation</a:t>
             </a:r>
             <a:endParaRPr lang="en-GB" dirty="0"/>
           </a:p>
         </p:txBody>
       </p:sp>
-      <p:pic>
-        <p:nvPicPr>
-          <p:cNvPr id="2050" name="Picture 2" descr="http://einfachgefragt.com.dd20604.kasserver.com/wp-content/uploads/2013/08/Cartoon-Psychiater.jpg"/>
-          <p:cNvPicPr>
-            <a:picLocks noGrp="1" noChangeAspect="1" noChangeArrowheads="1"/>
-          </p:cNvPicPr>
+      <p:sp>
+        <p:nvSpPr>
+          <p:cNvPr id="3" name="Inhaltsplatzhalter 2"/>
+          <p:cNvSpPr>
+            <a:spLocks noGrp="1"/>
+          </p:cNvSpPr>
           <p:nvPr>
             <p:ph idx="1"/>
           </p:nvPr>
-        </p:nvPicPr>
-        <p:blipFill>
-          <a:blip r:embed="rId2" cstate="email">
-            <a:extLst>
-              <a:ext uri="{28A0092B-C50C-407E-A947-70E740481C1C}">
-                <a14:useLocalDpi xmlns:a14="http://schemas.microsoft.com/office/drawing/2010/main" val="0"/>
-              </a:ext>
-            </a:extLst>
-          </a:blip>
-          <a:srcRect/>
-          <a:stretch>
-            <a:fillRect/>
-          </a:stretch>
-        </p:blipFill>
-        <p:spPr bwMode="auto">
-          <a:xfrm>
-            <a:off x="2792573" y="2489200"/>
-            <a:ext cx="3530600" cy="3530600"/>
-          </a:xfrm>
-          <a:prstGeom prst="rect">
-            <a:avLst/>
-          </a:prstGeom>
-          <a:noFill/>
-          <a:extLst>
-            <a:ext uri="{909E8E84-426E-40DD-AFC4-6F175D3DCCD1}">
-              <a14:hiddenFill xmlns:a14="http://schemas.microsoft.com/office/drawing/2010/main">
-                <a:solidFill>
-                  <a:srgbClr val="FFFFFF"/>
-                </a:solidFill>
-              </a14:hiddenFill>
-            </a:ext>
-          </a:extLst>
-        </p:spPr>
-      </p:pic>
+        </p:nvSpPr>
+        <p:spPr/>
+        <p:txBody>
+          <a:bodyPr/>
+          <a:lstStyle/>
+          <a:p>
+            <a:r>
+              <a:rPr lang="de-CH" dirty="0" smtClean="0"/>
+              <a:t>Peer-Feedback</a:t>
+            </a:r>
+          </a:p>
+          <a:p>
+            <a:pPr marL="0" indent="0">
+              <a:buNone/>
+            </a:pPr>
+            <a:endParaRPr lang="en-GB" dirty="0"/>
+          </a:p>
+        </p:txBody>
+      </p:sp>
     </p:spTree>
     <p:extLst>
       <p:ext uri="{BB962C8B-B14F-4D97-AF65-F5344CB8AC3E}">
-        <p14:creationId xmlns:p14="http://schemas.microsoft.com/office/powerpoint/2010/main" val="3881861182"/>
+        <p14:creationId xmlns:p14="http://schemas.microsoft.com/office/powerpoint/2010/main" val="331918503"/>
       </p:ext>
     </p:extLst>
   </p:cSld>
   <p:clrMapOvr>
     <a:masterClrMapping/>
   </p:clrMapOvr>
-  <p:timing>
-    <p:tnLst>
-      <p:par>
-        <p:cTn id="1" dur="indefinite" restart="never" nodeType="tmRoot"/>
-      </p:par>
-    </p:tnLst>
-  </p:timing>
 </p:sld>
 </file>
 
